--- a/assets/downloads/IEEEVR2026.pptx
+++ b/assets/downloads/IEEEVR2026.pptx
@@ -5,7 +5,9 @@
     <p:sldMasterId id="2147483648" r:id="rId1"/>
   </p:sldMasterIdLst>
   <p:sldIdLst>
-    <p:sldId id="256" r:id="rId2"/>
+    <p:sldId id="257" r:id="rId2"/>
+    <p:sldId id="258" r:id="rId3"/>
+    <p:sldId id="256" r:id="rId4"/>
   </p:sldIdLst>
   <p:sldSz cx="9906000" cy="6858000" type="A4"/>
   <p:notesSz cx="6858000" cy="9144000"/>
@@ -3052,6 +3054,84 @@
 </file>
 
 <file path=ppt/slides/slide1.xml><?xml version="1.0" encoding="utf-8"?>
+<p:sld xmlns:a="http://schemas.openxmlformats.org/drawingml/2006/main" xmlns:r="http://schemas.openxmlformats.org/officeDocument/2006/relationships" xmlns:p="http://schemas.openxmlformats.org/presentationml/2006/main">
+  <p:cSld>
+    <p:bg>
+      <p:bgPr>
+        <a:blipFill dpi="0" rotWithShape="1">
+          <a:blip r:embed="rId2">
+            <a:lum/>
+          </a:blip>
+          <a:srcRect/>
+          <a:stretch>
+            <a:fillRect/>
+          </a:stretch>
+        </a:blipFill>
+        <a:effectLst/>
+      </p:bgPr>
+    </p:bg>
+    <p:spTree>
+      <p:nvGrpSpPr>
+        <p:cNvPr id="1" name=""/>
+        <p:cNvGrpSpPr/>
+        <p:nvPr/>
+      </p:nvGrpSpPr>
+      <p:grpSpPr>
+        <a:xfrm>
+          <a:off x="0" y="0"/>
+          <a:ext cx="0" cy="0"/>
+          <a:chOff x="0" y="0"/>
+          <a:chExt cx="0" cy="0"/>
+        </a:xfrm>
+      </p:grpSpPr>
+    </p:spTree>
+  </p:cSld>
+  <p:clrMapOvr>
+    <a:masterClrMapping/>
+  </p:clrMapOvr>
+</p:sld>
+</file>
+
+<file path=ppt/slides/slide2.xml><?xml version="1.0" encoding="utf-8"?>
+<p:sld xmlns:a="http://schemas.openxmlformats.org/drawingml/2006/main" xmlns:r="http://schemas.openxmlformats.org/officeDocument/2006/relationships" xmlns:p="http://schemas.openxmlformats.org/presentationml/2006/main">
+  <p:cSld>
+    <p:bg>
+      <p:bgPr>
+        <a:blipFill dpi="0" rotWithShape="1">
+          <a:blip r:embed="rId2">
+            <a:lum/>
+          </a:blip>
+          <a:srcRect/>
+          <a:stretch>
+            <a:fillRect/>
+          </a:stretch>
+        </a:blipFill>
+        <a:effectLst/>
+      </p:bgPr>
+    </p:bg>
+    <p:spTree>
+      <p:nvGrpSpPr>
+        <p:cNvPr id="1" name=""/>
+        <p:cNvGrpSpPr/>
+        <p:nvPr/>
+      </p:nvGrpSpPr>
+      <p:grpSpPr>
+        <a:xfrm>
+          <a:off x="0" y="0"/>
+          <a:ext cx="0" cy="0"/>
+          <a:chOff x="0" y="0"/>
+          <a:chExt cx="0" cy="0"/>
+        </a:xfrm>
+      </p:grpSpPr>
+    </p:spTree>
+  </p:cSld>
+  <p:clrMapOvr>
+    <a:masterClrMapping/>
+  </p:clrMapOvr>
+</p:sld>
+</file>
+
+<file path=ppt/slides/slide3.xml><?xml version="1.0" encoding="utf-8"?>
 <p:sld xmlns:a="http://schemas.openxmlformats.org/drawingml/2006/main" xmlns:r="http://schemas.openxmlformats.org/officeDocument/2006/relationships" xmlns:p="http://schemas.openxmlformats.org/presentationml/2006/main">
   <p:cSld>
     <p:bg>
